--- a/ppt 16-9/0609.尊贵名.pptx
+++ b/ppt 16-9/0609.尊贵名.pptx
@@ -129,7 +129,7 @@
           <p:cNvPr id="2" name="标题 1">
             <a:extLst>
               <a:ext uri="{FF2B5EF4-FFF2-40B4-BE49-F238E27FC236}">
-                <a16:creationId xmlns:a16="http://schemas.microsoft.com/office/drawing/2014/main" id="{59168019-CE89-6638-B20D-2EFB07E0459C}"/>
+                <a16:creationId xmlns:a16="http://schemas.microsoft.com/office/drawing/2014/main" id="{454DBFE3-9494-633F-5790-D577A58E3F0F}"/>
               </a:ext>
             </a:extLst>
           </p:cNvPr>
@@ -166,7 +166,7 @@
           <p:cNvPr id="3" name="副标题 2">
             <a:extLst>
               <a:ext uri="{FF2B5EF4-FFF2-40B4-BE49-F238E27FC236}">
-                <a16:creationId xmlns:a16="http://schemas.microsoft.com/office/drawing/2014/main" id="{51026C64-3286-E066-1157-9CB0E0659360}"/>
+                <a16:creationId xmlns:a16="http://schemas.microsoft.com/office/drawing/2014/main" id="{0BBABA89-B31A-21D6-67AF-02CB73DBBE00}"/>
               </a:ext>
             </a:extLst>
           </p:cNvPr>
@@ -236,7 +236,7 @@
           <p:cNvPr id="4" name="日期占位符 3">
             <a:extLst>
               <a:ext uri="{FF2B5EF4-FFF2-40B4-BE49-F238E27FC236}">
-                <a16:creationId xmlns:a16="http://schemas.microsoft.com/office/drawing/2014/main" id="{B3238ADA-B362-0D6A-6DC5-4B9DB7A792EB}"/>
+                <a16:creationId xmlns:a16="http://schemas.microsoft.com/office/drawing/2014/main" id="{7E5FF629-39DC-B348-6710-622869CBCF2C}"/>
               </a:ext>
             </a:extLst>
           </p:cNvPr>
@@ -252,7 +252,7 @@
           <a:bodyPr/>
           <a:lstStyle/>
           <a:p>
-            <a:fld id="{9EF7D760-1371-44F2-8882-4BFB1F58AEFF}" type="datetimeFigureOut">
+            <a:fld id="{27448B9E-C208-46C0-AF33-EEEF48D5B4AE}" type="datetimeFigureOut">
               <a:rPr lang="zh-CN" altLang="en-US" smtClean="0"/>
               <a:t>2024/3/10</a:t>
             </a:fld>
@@ -265,7 +265,7 @@
           <p:cNvPr id="5" name="页脚占位符 4">
             <a:extLst>
               <a:ext uri="{FF2B5EF4-FFF2-40B4-BE49-F238E27FC236}">
-                <a16:creationId xmlns:a16="http://schemas.microsoft.com/office/drawing/2014/main" id="{1E45B12D-6D5C-0426-C8B9-70F748A05036}"/>
+                <a16:creationId xmlns:a16="http://schemas.microsoft.com/office/drawing/2014/main" id="{8689370A-8663-4A34-547E-0E317A7C94DD}"/>
               </a:ext>
             </a:extLst>
           </p:cNvPr>
@@ -290,7 +290,7 @@
           <p:cNvPr id="6" name="灯片编号占位符 5">
             <a:extLst>
               <a:ext uri="{FF2B5EF4-FFF2-40B4-BE49-F238E27FC236}">
-                <a16:creationId xmlns:a16="http://schemas.microsoft.com/office/drawing/2014/main" id="{69925559-0522-D2DE-60DC-84CB8AE28DB8}"/>
+                <a16:creationId xmlns:a16="http://schemas.microsoft.com/office/drawing/2014/main" id="{88346D3A-E8D5-5E1B-0B0E-C0B60BF39478}"/>
               </a:ext>
             </a:extLst>
           </p:cNvPr>
@@ -306,7 +306,7 @@
           <a:bodyPr/>
           <a:lstStyle/>
           <a:p>
-            <a:fld id="{0310DE9E-40C5-473D-AB37-3725F3F88EF1}" type="slidenum">
+            <a:fld id="{04485F9D-0D12-4D7E-9413-AE6247688F67}" type="slidenum">
               <a:rPr lang="zh-CN" altLang="en-US" smtClean="0"/>
               <a:t>‹#›</a:t>
             </a:fld>
@@ -317,7 +317,7 @@
     </p:spTree>
     <p:extLst>
       <p:ext uri="{BB962C8B-B14F-4D97-AF65-F5344CB8AC3E}">
-        <p14:creationId xmlns:p14="http://schemas.microsoft.com/office/powerpoint/2010/main" val="788385959"/>
+        <p14:creationId xmlns:p14="http://schemas.microsoft.com/office/powerpoint/2010/main" val="1737420573"/>
       </p:ext>
     </p:extLst>
   </p:cSld>
@@ -349,7 +349,7 @@
           <p:cNvPr id="2" name="标题 1">
             <a:extLst>
               <a:ext uri="{FF2B5EF4-FFF2-40B4-BE49-F238E27FC236}">
-                <a16:creationId xmlns:a16="http://schemas.microsoft.com/office/drawing/2014/main" id="{C5040004-AC6C-949A-E8DA-5A81F048818E}"/>
+                <a16:creationId xmlns:a16="http://schemas.microsoft.com/office/drawing/2014/main" id="{9A48A936-44B1-D62B-26F0-68DFB18DACB5}"/>
               </a:ext>
             </a:extLst>
           </p:cNvPr>
@@ -377,7 +377,7 @@
           <p:cNvPr id="3" name="竖排文字占位符 2">
             <a:extLst>
               <a:ext uri="{FF2B5EF4-FFF2-40B4-BE49-F238E27FC236}">
-                <a16:creationId xmlns:a16="http://schemas.microsoft.com/office/drawing/2014/main" id="{DF8621F2-4543-91BF-ACF6-BF94EF26F6A4}"/>
+                <a16:creationId xmlns:a16="http://schemas.microsoft.com/office/drawing/2014/main" id="{7041205E-9580-0838-3AFD-1FD836F4650E}"/>
               </a:ext>
             </a:extLst>
           </p:cNvPr>
@@ -434,7 +434,7 @@
           <p:cNvPr id="4" name="日期占位符 3">
             <a:extLst>
               <a:ext uri="{FF2B5EF4-FFF2-40B4-BE49-F238E27FC236}">
-                <a16:creationId xmlns:a16="http://schemas.microsoft.com/office/drawing/2014/main" id="{75E7F687-C101-919C-8CEE-DD26D613DDAB}"/>
+                <a16:creationId xmlns:a16="http://schemas.microsoft.com/office/drawing/2014/main" id="{C6880578-B7B3-EEC5-89F6-1A1D0C0A6CF3}"/>
               </a:ext>
             </a:extLst>
           </p:cNvPr>
@@ -450,7 +450,7 @@
           <a:bodyPr/>
           <a:lstStyle/>
           <a:p>
-            <a:fld id="{9EF7D760-1371-44F2-8882-4BFB1F58AEFF}" type="datetimeFigureOut">
+            <a:fld id="{27448B9E-C208-46C0-AF33-EEEF48D5B4AE}" type="datetimeFigureOut">
               <a:rPr lang="zh-CN" altLang="en-US" smtClean="0"/>
               <a:t>2024/3/10</a:t>
             </a:fld>
@@ -463,7 +463,7 @@
           <p:cNvPr id="5" name="页脚占位符 4">
             <a:extLst>
               <a:ext uri="{FF2B5EF4-FFF2-40B4-BE49-F238E27FC236}">
-                <a16:creationId xmlns:a16="http://schemas.microsoft.com/office/drawing/2014/main" id="{7D7A4E09-4BF8-AE48-EB2D-9171597035FF}"/>
+                <a16:creationId xmlns:a16="http://schemas.microsoft.com/office/drawing/2014/main" id="{9617D92C-6D8D-3CE0-4757-BC6BC57CCC14}"/>
               </a:ext>
             </a:extLst>
           </p:cNvPr>
@@ -488,7 +488,7 @@
           <p:cNvPr id="6" name="灯片编号占位符 5">
             <a:extLst>
               <a:ext uri="{FF2B5EF4-FFF2-40B4-BE49-F238E27FC236}">
-                <a16:creationId xmlns:a16="http://schemas.microsoft.com/office/drawing/2014/main" id="{4378462C-D2FF-DD2A-486C-5F87412AFFF3}"/>
+                <a16:creationId xmlns:a16="http://schemas.microsoft.com/office/drawing/2014/main" id="{7DFAB7AD-7E7D-10B9-4189-2B48C1497C55}"/>
               </a:ext>
             </a:extLst>
           </p:cNvPr>
@@ -504,7 +504,7 @@
           <a:bodyPr/>
           <a:lstStyle/>
           <a:p>
-            <a:fld id="{0310DE9E-40C5-473D-AB37-3725F3F88EF1}" type="slidenum">
+            <a:fld id="{04485F9D-0D12-4D7E-9413-AE6247688F67}" type="slidenum">
               <a:rPr lang="zh-CN" altLang="en-US" smtClean="0"/>
               <a:t>‹#›</a:t>
             </a:fld>
@@ -515,7 +515,7 @@
     </p:spTree>
     <p:extLst>
       <p:ext uri="{BB962C8B-B14F-4D97-AF65-F5344CB8AC3E}">
-        <p14:creationId xmlns:p14="http://schemas.microsoft.com/office/powerpoint/2010/main" val="3947570306"/>
+        <p14:creationId xmlns:p14="http://schemas.microsoft.com/office/powerpoint/2010/main" val="2659282724"/>
       </p:ext>
     </p:extLst>
   </p:cSld>
@@ -547,7 +547,7 @@
           <p:cNvPr id="2" name="竖排标题 1">
             <a:extLst>
               <a:ext uri="{FF2B5EF4-FFF2-40B4-BE49-F238E27FC236}">
-                <a16:creationId xmlns:a16="http://schemas.microsoft.com/office/drawing/2014/main" id="{8EF569F6-874C-0F3A-7297-FBF2C8EF8541}"/>
+                <a16:creationId xmlns:a16="http://schemas.microsoft.com/office/drawing/2014/main" id="{D58E8257-40BD-7E4B-D8EB-F36C81462733}"/>
               </a:ext>
             </a:extLst>
           </p:cNvPr>
@@ -580,7 +580,7 @@
           <p:cNvPr id="3" name="竖排文字占位符 2">
             <a:extLst>
               <a:ext uri="{FF2B5EF4-FFF2-40B4-BE49-F238E27FC236}">
-                <a16:creationId xmlns:a16="http://schemas.microsoft.com/office/drawing/2014/main" id="{2AC3EBDC-9A54-CDE2-E5F8-FD1E381A073C}"/>
+                <a16:creationId xmlns:a16="http://schemas.microsoft.com/office/drawing/2014/main" id="{6C87B2D7-F7DE-8D0A-3A70-F63743005A78}"/>
               </a:ext>
             </a:extLst>
           </p:cNvPr>
@@ -642,7 +642,7 @@
           <p:cNvPr id="4" name="日期占位符 3">
             <a:extLst>
               <a:ext uri="{FF2B5EF4-FFF2-40B4-BE49-F238E27FC236}">
-                <a16:creationId xmlns:a16="http://schemas.microsoft.com/office/drawing/2014/main" id="{8928872E-6130-41D9-A1D3-6CC75CE008CC}"/>
+                <a16:creationId xmlns:a16="http://schemas.microsoft.com/office/drawing/2014/main" id="{E526F84B-0D1B-873C-58B9-98BD5794B772}"/>
               </a:ext>
             </a:extLst>
           </p:cNvPr>
@@ -658,7 +658,7 @@
           <a:bodyPr/>
           <a:lstStyle/>
           <a:p>
-            <a:fld id="{9EF7D760-1371-44F2-8882-4BFB1F58AEFF}" type="datetimeFigureOut">
+            <a:fld id="{27448B9E-C208-46C0-AF33-EEEF48D5B4AE}" type="datetimeFigureOut">
               <a:rPr lang="zh-CN" altLang="en-US" smtClean="0"/>
               <a:t>2024/3/10</a:t>
             </a:fld>
@@ -671,7 +671,7 @@
           <p:cNvPr id="5" name="页脚占位符 4">
             <a:extLst>
               <a:ext uri="{FF2B5EF4-FFF2-40B4-BE49-F238E27FC236}">
-                <a16:creationId xmlns:a16="http://schemas.microsoft.com/office/drawing/2014/main" id="{6307FA45-1942-A0E5-545C-3C2EEB7DF4F6}"/>
+                <a16:creationId xmlns:a16="http://schemas.microsoft.com/office/drawing/2014/main" id="{C3203A41-C5C0-78F8-84EC-F08DA6ADDEF2}"/>
               </a:ext>
             </a:extLst>
           </p:cNvPr>
@@ -696,7 +696,7 @@
           <p:cNvPr id="6" name="灯片编号占位符 5">
             <a:extLst>
               <a:ext uri="{FF2B5EF4-FFF2-40B4-BE49-F238E27FC236}">
-                <a16:creationId xmlns:a16="http://schemas.microsoft.com/office/drawing/2014/main" id="{35C0B475-46FC-30D7-8DF9-984AE9FDADFE}"/>
+                <a16:creationId xmlns:a16="http://schemas.microsoft.com/office/drawing/2014/main" id="{DD1E0725-E20E-21FF-2CE6-555118B9084E}"/>
               </a:ext>
             </a:extLst>
           </p:cNvPr>
@@ -712,7 +712,7 @@
           <a:bodyPr/>
           <a:lstStyle/>
           <a:p>
-            <a:fld id="{0310DE9E-40C5-473D-AB37-3725F3F88EF1}" type="slidenum">
+            <a:fld id="{04485F9D-0D12-4D7E-9413-AE6247688F67}" type="slidenum">
               <a:rPr lang="zh-CN" altLang="en-US" smtClean="0"/>
               <a:t>‹#›</a:t>
             </a:fld>
@@ -723,7 +723,7 @@
     </p:spTree>
     <p:extLst>
       <p:ext uri="{BB962C8B-B14F-4D97-AF65-F5344CB8AC3E}">
-        <p14:creationId xmlns:p14="http://schemas.microsoft.com/office/powerpoint/2010/main" val="599646048"/>
+        <p14:creationId xmlns:p14="http://schemas.microsoft.com/office/powerpoint/2010/main" val="4063942335"/>
       </p:ext>
     </p:extLst>
   </p:cSld>
@@ -755,7 +755,7 @@
           <p:cNvPr id="2" name="标题 1">
             <a:extLst>
               <a:ext uri="{FF2B5EF4-FFF2-40B4-BE49-F238E27FC236}">
-                <a16:creationId xmlns:a16="http://schemas.microsoft.com/office/drawing/2014/main" id="{87BCD0F7-1259-53BB-FBE2-528605071DC8}"/>
+                <a16:creationId xmlns:a16="http://schemas.microsoft.com/office/drawing/2014/main" id="{A9AC1175-A6F9-7D67-C3C5-6328733D2A9C}"/>
               </a:ext>
             </a:extLst>
           </p:cNvPr>
@@ -783,7 +783,7 @@
           <p:cNvPr id="3" name="内容占位符 2">
             <a:extLst>
               <a:ext uri="{FF2B5EF4-FFF2-40B4-BE49-F238E27FC236}">
-                <a16:creationId xmlns:a16="http://schemas.microsoft.com/office/drawing/2014/main" id="{6B2EAF58-B0DC-A44D-02A2-E26F21146BB5}"/>
+                <a16:creationId xmlns:a16="http://schemas.microsoft.com/office/drawing/2014/main" id="{96721885-209D-42C6-4342-2ECCA1FD8588}"/>
               </a:ext>
             </a:extLst>
           </p:cNvPr>
@@ -840,7 +840,7 @@
           <p:cNvPr id="4" name="日期占位符 3">
             <a:extLst>
               <a:ext uri="{FF2B5EF4-FFF2-40B4-BE49-F238E27FC236}">
-                <a16:creationId xmlns:a16="http://schemas.microsoft.com/office/drawing/2014/main" id="{FB80964B-F3E6-09CD-CA3A-2E018E775C81}"/>
+                <a16:creationId xmlns:a16="http://schemas.microsoft.com/office/drawing/2014/main" id="{47DB147E-C377-A6F1-A904-406CC7574058}"/>
               </a:ext>
             </a:extLst>
           </p:cNvPr>
@@ -856,7 +856,7 @@
           <a:bodyPr/>
           <a:lstStyle/>
           <a:p>
-            <a:fld id="{9EF7D760-1371-44F2-8882-4BFB1F58AEFF}" type="datetimeFigureOut">
+            <a:fld id="{27448B9E-C208-46C0-AF33-EEEF48D5B4AE}" type="datetimeFigureOut">
               <a:rPr lang="zh-CN" altLang="en-US" smtClean="0"/>
               <a:t>2024/3/10</a:t>
             </a:fld>
@@ -869,7 +869,7 @@
           <p:cNvPr id="5" name="页脚占位符 4">
             <a:extLst>
               <a:ext uri="{FF2B5EF4-FFF2-40B4-BE49-F238E27FC236}">
-                <a16:creationId xmlns:a16="http://schemas.microsoft.com/office/drawing/2014/main" id="{5488678F-5170-62D4-DBA2-44CE8E14B3E1}"/>
+                <a16:creationId xmlns:a16="http://schemas.microsoft.com/office/drawing/2014/main" id="{F28F9B6D-9B3D-EAD6-09BC-768D48A0DBD0}"/>
               </a:ext>
             </a:extLst>
           </p:cNvPr>
@@ -894,7 +894,7 @@
           <p:cNvPr id="6" name="灯片编号占位符 5">
             <a:extLst>
               <a:ext uri="{FF2B5EF4-FFF2-40B4-BE49-F238E27FC236}">
-                <a16:creationId xmlns:a16="http://schemas.microsoft.com/office/drawing/2014/main" id="{A7262776-C638-B895-4B1F-02124131A4B8}"/>
+                <a16:creationId xmlns:a16="http://schemas.microsoft.com/office/drawing/2014/main" id="{099E9210-4DEC-349D-6D86-5F779982D3D3}"/>
               </a:ext>
             </a:extLst>
           </p:cNvPr>
@@ -910,7 +910,7 @@
           <a:bodyPr/>
           <a:lstStyle/>
           <a:p>
-            <a:fld id="{0310DE9E-40C5-473D-AB37-3725F3F88EF1}" type="slidenum">
+            <a:fld id="{04485F9D-0D12-4D7E-9413-AE6247688F67}" type="slidenum">
               <a:rPr lang="zh-CN" altLang="en-US" smtClean="0"/>
               <a:t>‹#›</a:t>
             </a:fld>
@@ -921,7 +921,7 @@
     </p:spTree>
     <p:extLst>
       <p:ext uri="{BB962C8B-B14F-4D97-AF65-F5344CB8AC3E}">
-        <p14:creationId xmlns:p14="http://schemas.microsoft.com/office/powerpoint/2010/main" val="1896816786"/>
+        <p14:creationId xmlns:p14="http://schemas.microsoft.com/office/powerpoint/2010/main" val="161189850"/>
       </p:ext>
     </p:extLst>
   </p:cSld>
@@ -953,7 +953,7 @@
           <p:cNvPr id="2" name="标题 1">
             <a:extLst>
               <a:ext uri="{FF2B5EF4-FFF2-40B4-BE49-F238E27FC236}">
-                <a16:creationId xmlns:a16="http://schemas.microsoft.com/office/drawing/2014/main" id="{B2A634EC-0874-026F-E326-1AE5C90ACD6E}"/>
+                <a16:creationId xmlns:a16="http://schemas.microsoft.com/office/drawing/2014/main" id="{A9115FC4-D07B-1E44-73CE-CB78184584E5}"/>
               </a:ext>
             </a:extLst>
           </p:cNvPr>
@@ -990,7 +990,7 @@
           <p:cNvPr id="3" name="文本占位符 2">
             <a:extLst>
               <a:ext uri="{FF2B5EF4-FFF2-40B4-BE49-F238E27FC236}">
-                <a16:creationId xmlns:a16="http://schemas.microsoft.com/office/drawing/2014/main" id="{FD5F650F-5B83-5827-BC4C-7667817187CF}"/>
+                <a16:creationId xmlns:a16="http://schemas.microsoft.com/office/drawing/2014/main" id="{2071FF5E-CD6D-E692-FE65-0A251849173D}"/>
               </a:ext>
             </a:extLst>
           </p:cNvPr>
@@ -1115,7 +1115,7 @@
           <p:cNvPr id="4" name="日期占位符 3">
             <a:extLst>
               <a:ext uri="{FF2B5EF4-FFF2-40B4-BE49-F238E27FC236}">
-                <a16:creationId xmlns:a16="http://schemas.microsoft.com/office/drawing/2014/main" id="{6E78AB61-4FB3-D4B7-4F2C-4DCC0CC9C76B}"/>
+                <a16:creationId xmlns:a16="http://schemas.microsoft.com/office/drawing/2014/main" id="{0FB97D4D-DBF0-7593-089D-72E06BB7FE27}"/>
               </a:ext>
             </a:extLst>
           </p:cNvPr>
@@ -1131,7 +1131,7 @@
           <a:bodyPr/>
           <a:lstStyle/>
           <a:p>
-            <a:fld id="{9EF7D760-1371-44F2-8882-4BFB1F58AEFF}" type="datetimeFigureOut">
+            <a:fld id="{27448B9E-C208-46C0-AF33-EEEF48D5B4AE}" type="datetimeFigureOut">
               <a:rPr lang="zh-CN" altLang="en-US" smtClean="0"/>
               <a:t>2024/3/10</a:t>
             </a:fld>
@@ -1144,7 +1144,7 @@
           <p:cNvPr id="5" name="页脚占位符 4">
             <a:extLst>
               <a:ext uri="{FF2B5EF4-FFF2-40B4-BE49-F238E27FC236}">
-                <a16:creationId xmlns:a16="http://schemas.microsoft.com/office/drawing/2014/main" id="{FB847353-8CDE-EB80-741F-9449B7E1B2C7}"/>
+                <a16:creationId xmlns:a16="http://schemas.microsoft.com/office/drawing/2014/main" id="{A1673C4F-4594-2BDB-74B5-27C42771E234}"/>
               </a:ext>
             </a:extLst>
           </p:cNvPr>
@@ -1169,7 +1169,7 @@
           <p:cNvPr id="6" name="灯片编号占位符 5">
             <a:extLst>
               <a:ext uri="{FF2B5EF4-FFF2-40B4-BE49-F238E27FC236}">
-                <a16:creationId xmlns:a16="http://schemas.microsoft.com/office/drawing/2014/main" id="{4D99C9BC-81D6-2D2B-B635-317A613271A5}"/>
+                <a16:creationId xmlns:a16="http://schemas.microsoft.com/office/drawing/2014/main" id="{6F6E4DCE-3D67-E55F-4E7C-B7EACD9931DA}"/>
               </a:ext>
             </a:extLst>
           </p:cNvPr>
@@ -1185,7 +1185,7 @@
           <a:bodyPr/>
           <a:lstStyle/>
           <a:p>
-            <a:fld id="{0310DE9E-40C5-473D-AB37-3725F3F88EF1}" type="slidenum">
+            <a:fld id="{04485F9D-0D12-4D7E-9413-AE6247688F67}" type="slidenum">
               <a:rPr lang="zh-CN" altLang="en-US" smtClean="0"/>
               <a:t>‹#›</a:t>
             </a:fld>
@@ -1196,7 +1196,7 @@
     </p:spTree>
     <p:extLst>
       <p:ext uri="{BB962C8B-B14F-4D97-AF65-F5344CB8AC3E}">
-        <p14:creationId xmlns:p14="http://schemas.microsoft.com/office/powerpoint/2010/main" val="2043144433"/>
+        <p14:creationId xmlns:p14="http://schemas.microsoft.com/office/powerpoint/2010/main" val="3157736211"/>
       </p:ext>
     </p:extLst>
   </p:cSld>
@@ -1228,7 +1228,7 @@
           <p:cNvPr id="2" name="标题 1">
             <a:extLst>
               <a:ext uri="{FF2B5EF4-FFF2-40B4-BE49-F238E27FC236}">
-                <a16:creationId xmlns:a16="http://schemas.microsoft.com/office/drawing/2014/main" id="{6979B885-F141-756B-E119-708A54B0377D}"/>
+                <a16:creationId xmlns:a16="http://schemas.microsoft.com/office/drawing/2014/main" id="{407A45F8-6EF7-FBB5-FB08-25DF5B483DBF}"/>
               </a:ext>
             </a:extLst>
           </p:cNvPr>
@@ -1256,7 +1256,7 @@
           <p:cNvPr id="3" name="内容占位符 2">
             <a:extLst>
               <a:ext uri="{FF2B5EF4-FFF2-40B4-BE49-F238E27FC236}">
-                <a16:creationId xmlns:a16="http://schemas.microsoft.com/office/drawing/2014/main" id="{5BA74525-1750-3F2A-272D-A49B856B9E07}"/>
+                <a16:creationId xmlns:a16="http://schemas.microsoft.com/office/drawing/2014/main" id="{37F10670-B4A8-FE38-FAF4-15758A655705}"/>
               </a:ext>
             </a:extLst>
           </p:cNvPr>
@@ -1318,7 +1318,7 @@
           <p:cNvPr id="4" name="内容占位符 3">
             <a:extLst>
               <a:ext uri="{FF2B5EF4-FFF2-40B4-BE49-F238E27FC236}">
-                <a16:creationId xmlns:a16="http://schemas.microsoft.com/office/drawing/2014/main" id="{3813563D-2B99-D9E7-DCAF-62F75473837D}"/>
+                <a16:creationId xmlns:a16="http://schemas.microsoft.com/office/drawing/2014/main" id="{D5A14BA0-299F-B8B0-66BA-A7BB734B9A8D}"/>
               </a:ext>
             </a:extLst>
           </p:cNvPr>
@@ -1380,7 +1380,7 @@
           <p:cNvPr id="5" name="日期占位符 4">
             <a:extLst>
               <a:ext uri="{FF2B5EF4-FFF2-40B4-BE49-F238E27FC236}">
-                <a16:creationId xmlns:a16="http://schemas.microsoft.com/office/drawing/2014/main" id="{55B0C86E-4B72-BEC1-5A74-42C018BD424A}"/>
+                <a16:creationId xmlns:a16="http://schemas.microsoft.com/office/drawing/2014/main" id="{8E8FD654-ACF5-C160-A9C7-9AA22EFD1FAD}"/>
               </a:ext>
             </a:extLst>
           </p:cNvPr>
@@ -1396,7 +1396,7 @@
           <a:bodyPr/>
           <a:lstStyle/>
           <a:p>
-            <a:fld id="{9EF7D760-1371-44F2-8882-4BFB1F58AEFF}" type="datetimeFigureOut">
+            <a:fld id="{27448B9E-C208-46C0-AF33-EEEF48D5B4AE}" type="datetimeFigureOut">
               <a:rPr lang="zh-CN" altLang="en-US" smtClean="0"/>
               <a:t>2024/3/10</a:t>
             </a:fld>
@@ -1409,7 +1409,7 @@
           <p:cNvPr id="6" name="页脚占位符 5">
             <a:extLst>
               <a:ext uri="{FF2B5EF4-FFF2-40B4-BE49-F238E27FC236}">
-                <a16:creationId xmlns:a16="http://schemas.microsoft.com/office/drawing/2014/main" id="{1297D90B-3434-14C3-4B4F-3B9DA75B7137}"/>
+                <a16:creationId xmlns:a16="http://schemas.microsoft.com/office/drawing/2014/main" id="{C2106A46-6916-C7FB-9757-197DCADF9A79}"/>
               </a:ext>
             </a:extLst>
           </p:cNvPr>
@@ -1434,7 +1434,7 @@
           <p:cNvPr id="7" name="灯片编号占位符 6">
             <a:extLst>
               <a:ext uri="{FF2B5EF4-FFF2-40B4-BE49-F238E27FC236}">
-                <a16:creationId xmlns:a16="http://schemas.microsoft.com/office/drawing/2014/main" id="{884F1BFC-41C3-139F-96DB-2B5945592D38}"/>
+                <a16:creationId xmlns:a16="http://schemas.microsoft.com/office/drawing/2014/main" id="{E5018A49-0C1D-6003-7621-4C9536732F00}"/>
               </a:ext>
             </a:extLst>
           </p:cNvPr>
@@ -1450,7 +1450,7 @@
           <a:bodyPr/>
           <a:lstStyle/>
           <a:p>
-            <a:fld id="{0310DE9E-40C5-473D-AB37-3725F3F88EF1}" type="slidenum">
+            <a:fld id="{04485F9D-0D12-4D7E-9413-AE6247688F67}" type="slidenum">
               <a:rPr lang="zh-CN" altLang="en-US" smtClean="0"/>
               <a:t>‹#›</a:t>
             </a:fld>
@@ -1461,7 +1461,7 @@
     </p:spTree>
     <p:extLst>
       <p:ext uri="{BB962C8B-B14F-4D97-AF65-F5344CB8AC3E}">
-        <p14:creationId xmlns:p14="http://schemas.microsoft.com/office/powerpoint/2010/main" val="1387244615"/>
+        <p14:creationId xmlns:p14="http://schemas.microsoft.com/office/powerpoint/2010/main" val="3075063055"/>
       </p:ext>
     </p:extLst>
   </p:cSld>
@@ -1493,7 +1493,7 @@
           <p:cNvPr id="2" name="标题 1">
             <a:extLst>
               <a:ext uri="{FF2B5EF4-FFF2-40B4-BE49-F238E27FC236}">
-                <a16:creationId xmlns:a16="http://schemas.microsoft.com/office/drawing/2014/main" id="{4E56AA5D-A9C0-F24B-07A1-6E905AB17A34}"/>
+                <a16:creationId xmlns:a16="http://schemas.microsoft.com/office/drawing/2014/main" id="{3B1FC947-A038-05F5-1E0B-F29CFEE3CB31}"/>
               </a:ext>
             </a:extLst>
           </p:cNvPr>
@@ -1526,7 +1526,7 @@
           <p:cNvPr id="3" name="文本占位符 2">
             <a:extLst>
               <a:ext uri="{FF2B5EF4-FFF2-40B4-BE49-F238E27FC236}">
-                <a16:creationId xmlns:a16="http://schemas.microsoft.com/office/drawing/2014/main" id="{FC9452AB-1DEB-7B7D-22BA-713B8B9054F8}"/>
+                <a16:creationId xmlns:a16="http://schemas.microsoft.com/office/drawing/2014/main" id="{E3F08FDA-55F3-5F41-8614-0836E95B5F9D}"/>
               </a:ext>
             </a:extLst>
           </p:cNvPr>
@@ -1597,7 +1597,7 @@
           <p:cNvPr id="4" name="内容占位符 3">
             <a:extLst>
               <a:ext uri="{FF2B5EF4-FFF2-40B4-BE49-F238E27FC236}">
-                <a16:creationId xmlns:a16="http://schemas.microsoft.com/office/drawing/2014/main" id="{BDF5B9BF-869F-90E9-A27F-C2C64F811E80}"/>
+                <a16:creationId xmlns:a16="http://schemas.microsoft.com/office/drawing/2014/main" id="{25DBBDCA-102C-166E-9FA9-B2038732CEA0}"/>
               </a:ext>
             </a:extLst>
           </p:cNvPr>
@@ -1659,7 +1659,7 @@
           <p:cNvPr id="5" name="文本占位符 4">
             <a:extLst>
               <a:ext uri="{FF2B5EF4-FFF2-40B4-BE49-F238E27FC236}">
-                <a16:creationId xmlns:a16="http://schemas.microsoft.com/office/drawing/2014/main" id="{7FB51367-C1BA-73E3-2192-BAFA7C041217}"/>
+                <a16:creationId xmlns:a16="http://schemas.microsoft.com/office/drawing/2014/main" id="{8F490834-CCA0-0BA3-04A5-CE996FCCFCB1}"/>
               </a:ext>
             </a:extLst>
           </p:cNvPr>
@@ -1730,7 +1730,7 @@
           <p:cNvPr id="6" name="内容占位符 5">
             <a:extLst>
               <a:ext uri="{FF2B5EF4-FFF2-40B4-BE49-F238E27FC236}">
-                <a16:creationId xmlns:a16="http://schemas.microsoft.com/office/drawing/2014/main" id="{0397BE6A-D9FC-FFB9-B20B-36D0AA241A83}"/>
+                <a16:creationId xmlns:a16="http://schemas.microsoft.com/office/drawing/2014/main" id="{3F6038A7-28EE-3B76-7D37-9831A81DF3E6}"/>
               </a:ext>
             </a:extLst>
           </p:cNvPr>
@@ -1792,7 +1792,7 @@
           <p:cNvPr id="7" name="日期占位符 6">
             <a:extLst>
               <a:ext uri="{FF2B5EF4-FFF2-40B4-BE49-F238E27FC236}">
-                <a16:creationId xmlns:a16="http://schemas.microsoft.com/office/drawing/2014/main" id="{8F1EAA9B-7F55-8B44-4022-EAE28F810652}"/>
+                <a16:creationId xmlns:a16="http://schemas.microsoft.com/office/drawing/2014/main" id="{88C7E9CA-5EA9-F07D-1569-1B08F774AD23}"/>
               </a:ext>
             </a:extLst>
           </p:cNvPr>
@@ -1808,7 +1808,7 @@
           <a:bodyPr/>
           <a:lstStyle/>
           <a:p>
-            <a:fld id="{9EF7D760-1371-44F2-8882-4BFB1F58AEFF}" type="datetimeFigureOut">
+            <a:fld id="{27448B9E-C208-46C0-AF33-EEEF48D5B4AE}" type="datetimeFigureOut">
               <a:rPr lang="zh-CN" altLang="en-US" smtClean="0"/>
               <a:t>2024/3/10</a:t>
             </a:fld>
@@ -1821,7 +1821,7 @@
           <p:cNvPr id="8" name="页脚占位符 7">
             <a:extLst>
               <a:ext uri="{FF2B5EF4-FFF2-40B4-BE49-F238E27FC236}">
-                <a16:creationId xmlns:a16="http://schemas.microsoft.com/office/drawing/2014/main" id="{AA7C610B-5947-32BB-5AA4-DCAA00AD031C}"/>
+                <a16:creationId xmlns:a16="http://schemas.microsoft.com/office/drawing/2014/main" id="{1840840F-FDD4-D645-E34E-29889ED9544F}"/>
               </a:ext>
             </a:extLst>
           </p:cNvPr>
@@ -1846,7 +1846,7 @@
           <p:cNvPr id="9" name="灯片编号占位符 8">
             <a:extLst>
               <a:ext uri="{FF2B5EF4-FFF2-40B4-BE49-F238E27FC236}">
-                <a16:creationId xmlns:a16="http://schemas.microsoft.com/office/drawing/2014/main" id="{93FDA64A-3FAA-995D-AB7C-758A70A6D936}"/>
+                <a16:creationId xmlns:a16="http://schemas.microsoft.com/office/drawing/2014/main" id="{FE157ED8-7AD1-299C-3F86-902C1137A01E}"/>
               </a:ext>
             </a:extLst>
           </p:cNvPr>
@@ -1862,7 +1862,7 @@
           <a:bodyPr/>
           <a:lstStyle/>
           <a:p>
-            <a:fld id="{0310DE9E-40C5-473D-AB37-3725F3F88EF1}" type="slidenum">
+            <a:fld id="{04485F9D-0D12-4D7E-9413-AE6247688F67}" type="slidenum">
               <a:rPr lang="zh-CN" altLang="en-US" smtClean="0"/>
               <a:t>‹#›</a:t>
             </a:fld>
@@ -1873,7 +1873,7 @@
     </p:spTree>
     <p:extLst>
       <p:ext uri="{BB962C8B-B14F-4D97-AF65-F5344CB8AC3E}">
-        <p14:creationId xmlns:p14="http://schemas.microsoft.com/office/powerpoint/2010/main" val="3291784430"/>
+        <p14:creationId xmlns:p14="http://schemas.microsoft.com/office/powerpoint/2010/main" val="1660737158"/>
       </p:ext>
     </p:extLst>
   </p:cSld>
@@ -1905,7 +1905,7 @@
           <p:cNvPr id="2" name="标题 1">
             <a:extLst>
               <a:ext uri="{FF2B5EF4-FFF2-40B4-BE49-F238E27FC236}">
-                <a16:creationId xmlns:a16="http://schemas.microsoft.com/office/drawing/2014/main" id="{234BE995-9BC4-5D5D-D20C-68533A3FA8C3}"/>
+                <a16:creationId xmlns:a16="http://schemas.microsoft.com/office/drawing/2014/main" id="{87054EAB-D7DF-7058-DEC2-A36C54ECEA7F}"/>
               </a:ext>
             </a:extLst>
           </p:cNvPr>
@@ -1933,7 +1933,7 @@
           <p:cNvPr id="3" name="日期占位符 2">
             <a:extLst>
               <a:ext uri="{FF2B5EF4-FFF2-40B4-BE49-F238E27FC236}">
-                <a16:creationId xmlns:a16="http://schemas.microsoft.com/office/drawing/2014/main" id="{18EDE6E1-11C5-5CBA-978B-C8C59B8E2E9C}"/>
+                <a16:creationId xmlns:a16="http://schemas.microsoft.com/office/drawing/2014/main" id="{E9D49A63-B40E-54E8-D9AA-508466F7599E}"/>
               </a:ext>
             </a:extLst>
           </p:cNvPr>
@@ -1949,7 +1949,7 @@
           <a:bodyPr/>
           <a:lstStyle/>
           <a:p>
-            <a:fld id="{9EF7D760-1371-44F2-8882-4BFB1F58AEFF}" type="datetimeFigureOut">
+            <a:fld id="{27448B9E-C208-46C0-AF33-EEEF48D5B4AE}" type="datetimeFigureOut">
               <a:rPr lang="zh-CN" altLang="en-US" smtClean="0"/>
               <a:t>2024/3/10</a:t>
             </a:fld>
@@ -1962,7 +1962,7 @@
           <p:cNvPr id="4" name="页脚占位符 3">
             <a:extLst>
               <a:ext uri="{FF2B5EF4-FFF2-40B4-BE49-F238E27FC236}">
-                <a16:creationId xmlns:a16="http://schemas.microsoft.com/office/drawing/2014/main" id="{046E12D8-5C61-4278-E652-C5100A06E7CE}"/>
+                <a16:creationId xmlns:a16="http://schemas.microsoft.com/office/drawing/2014/main" id="{1971AA05-D9CA-07C7-F8A0-6EDB2678F56C}"/>
               </a:ext>
             </a:extLst>
           </p:cNvPr>
@@ -1987,7 +1987,7 @@
           <p:cNvPr id="5" name="灯片编号占位符 4">
             <a:extLst>
               <a:ext uri="{FF2B5EF4-FFF2-40B4-BE49-F238E27FC236}">
-                <a16:creationId xmlns:a16="http://schemas.microsoft.com/office/drawing/2014/main" id="{D27AEF0C-509C-EB72-1338-A4C8E42B7B70}"/>
+                <a16:creationId xmlns:a16="http://schemas.microsoft.com/office/drawing/2014/main" id="{8FEA5C4B-E6A4-3A86-06FA-3E387B31BB81}"/>
               </a:ext>
             </a:extLst>
           </p:cNvPr>
@@ -2003,7 +2003,7 @@
           <a:bodyPr/>
           <a:lstStyle/>
           <a:p>
-            <a:fld id="{0310DE9E-40C5-473D-AB37-3725F3F88EF1}" type="slidenum">
+            <a:fld id="{04485F9D-0D12-4D7E-9413-AE6247688F67}" type="slidenum">
               <a:rPr lang="zh-CN" altLang="en-US" smtClean="0"/>
               <a:t>‹#›</a:t>
             </a:fld>
@@ -2014,7 +2014,7 @@
     </p:spTree>
     <p:extLst>
       <p:ext uri="{BB962C8B-B14F-4D97-AF65-F5344CB8AC3E}">
-        <p14:creationId xmlns:p14="http://schemas.microsoft.com/office/powerpoint/2010/main" val="4040600737"/>
+        <p14:creationId xmlns:p14="http://schemas.microsoft.com/office/powerpoint/2010/main" val="2204440037"/>
       </p:ext>
     </p:extLst>
   </p:cSld>
@@ -2046,7 +2046,7 @@
           <p:cNvPr id="2" name="日期占位符 1">
             <a:extLst>
               <a:ext uri="{FF2B5EF4-FFF2-40B4-BE49-F238E27FC236}">
-                <a16:creationId xmlns:a16="http://schemas.microsoft.com/office/drawing/2014/main" id="{170071F6-2953-0423-254A-FC0BC4EB4610}"/>
+                <a16:creationId xmlns:a16="http://schemas.microsoft.com/office/drawing/2014/main" id="{A0DFFEF3-514E-AB18-1B5E-F7211DE6B6BB}"/>
               </a:ext>
             </a:extLst>
           </p:cNvPr>
@@ -2062,7 +2062,7 @@
           <a:bodyPr/>
           <a:lstStyle/>
           <a:p>
-            <a:fld id="{9EF7D760-1371-44F2-8882-4BFB1F58AEFF}" type="datetimeFigureOut">
+            <a:fld id="{27448B9E-C208-46C0-AF33-EEEF48D5B4AE}" type="datetimeFigureOut">
               <a:rPr lang="zh-CN" altLang="en-US" smtClean="0"/>
               <a:t>2024/3/10</a:t>
             </a:fld>
@@ -2075,7 +2075,7 @@
           <p:cNvPr id="3" name="页脚占位符 2">
             <a:extLst>
               <a:ext uri="{FF2B5EF4-FFF2-40B4-BE49-F238E27FC236}">
-                <a16:creationId xmlns:a16="http://schemas.microsoft.com/office/drawing/2014/main" id="{FE348910-3815-A974-11A9-DB8028599273}"/>
+                <a16:creationId xmlns:a16="http://schemas.microsoft.com/office/drawing/2014/main" id="{D3EA437E-3B88-1E41-F198-A8BA26CB5C10}"/>
               </a:ext>
             </a:extLst>
           </p:cNvPr>
@@ -2100,7 +2100,7 @@
           <p:cNvPr id="4" name="灯片编号占位符 3">
             <a:extLst>
               <a:ext uri="{FF2B5EF4-FFF2-40B4-BE49-F238E27FC236}">
-                <a16:creationId xmlns:a16="http://schemas.microsoft.com/office/drawing/2014/main" id="{BE8CFC2F-E7BD-FC72-CBAA-B0FF3596731D}"/>
+                <a16:creationId xmlns:a16="http://schemas.microsoft.com/office/drawing/2014/main" id="{ABF81C92-1415-700B-3030-2AEA2C9D9381}"/>
               </a:ext>
             </a:extLst>
           </p:cNvPr>
@@ -2116,7 +2116,7 @@
           <a:bodyPr/>
           <a:lstStyle/>
           <a:p>
-            <a:fld id="{0310DE9E-40C5-473D-AB37-3725F3F88EF1}" type="slidenum">
+            <a:fld id="{04485F9D-0D12-4D7E-9413-AE6247688F67}" type="slidenum">
               <a:rPr lang="zh-CN" altLang="en-US" smtClean="0"/>
               <a:t>‹#›</a:t>
             </a:fld>
@@ -2127,7 +2127,7 @@
     </p:spTree>
     <p:extLst>
       <p:ext uri="{BB962C8B-B14F-4D97-AF65-F5344CB8AC3E}">
-        <p14:creationId xmlns:p14="http://schemas.microsoft.com/office/powerpoint/2010/main" val="2860243459"/>
+        <p14:creationId xmlns:p14="http://schemas.microsoft.com/office/powerpoint/2010/main" val="88758235"/>
       </p:ext>
     </p:extLst>
   </p:cSld>
@@ -2159,7 +2159,7 @@
           <p:cNvPr id="2" name="标题 1">
             <a:extLst>
               <a:ext uri="{FF2B5EF4-FFF2-40B4-BE49-F238E27FC236}">
-                <a16:creationId xmlns:a16="http://schemas.microsoft.com/office/drawing/2014/main" id="{24BF69F3-E90D-18A3-3007-E4EFA664E1BD}"/>
+                <a16:creationId xmlns:a16="http://schemas.microsoft.com/office/drawing/2014/main" id="{D5CFAC91-0704-AFEB-C4A3-EAE0E47EF992}"/>
               </a:ext>
             </a:extLst>
           </p:cNvPr>
@@ -2196,7 +2196,7 @@
           <p:cNvPr id="3" name="内容占位符 2">
             <a:extLst>
               <a:ext uri="{FF2B5EF4-FFF2-40B4-BE49-F238E27FC236}">
-                <a16:creationId xmlns:a16="http://schemas.microsoft.com/office/drawing/2014/main" id="{07C96288-D7A6-ACA9-FBED-FE8C4B1BE954}"/>
+                <a16:creationId xmlns:a16="http://schemas.microsoft.com/office/drawing/2014/main" id="{1A50444D-A681-1A57-AE12-F6084EDAC306}"/>
               </a:ext>
             </a:extLst>
           </p:cNvPr>
@@ -2286,7 +2286,7 @@
           <p:cNvPr id="4" name="文本占位符 3">
             <a:extLst>
               <a:ext uri="{FF2B5EF4-FFF2-40B4-BE49-F238E27FC236}">
-                <a16:creationId xmlns:a16="http://schemas.microsoft.com/office/drawing/2014/main" id="{A1382145-2945-52C4-8077-E6042466D146}"/>
+                <a16:creationId xmlns:a16="http://schemas.microsoft.com/office/drawing/2014/main" id="{72AD06F6-989D-47EC-6145-D84E8661ADDB}"/>
               </a:ext>
             </a:extLst>
           </p:cNvPr>
@@ -2357,7 +2357,7 @@
           <p:cNvPr id="5" name="日期占位符 4">
             <a:extLst>
               <a:ext uri="{FF2B5EF4-FFF2-40B4-BE49-F238E27FC236}">
-                <a16:creationId xmlns:a16="http://schemas.microsoft.com/office/drawing/2014/main" id="{F271E9CB-46A7-F1EC-6BE6-1BB8DD240A05}"/>
+                <a16:creationId xmlns:a16="http://schemas.microsoft.com/office/drawing/2014/main" id="{53C4826B-0518-E91D-2458-B6E84DC95903}"/>
               </a:ext>
             </a:extLst>
           </p:cNvPr>
@@ -2373,7 +2373,7 @@
           <a:bodyPr/>
           <a:lstStyle/>
           <a:p>
-            <a:fld id="{9EF7D760-1371-44F2-8882-4BFB1F58AEFF}" type="datetimeFigureOut">
+            <a:fld id="{27448B9E-C208-46C0-AF33-EEEF48D5B4AE}" type="datetimeFigureOut">
               <a:rPr lang="zh-CN" altLang="en-US" smtClean="0"/>
               <a:t>2024/3/10</a:t>
             </a:fld>
@@ -2386,7 +2386,7 @@
           <p:cNvPr id="6" name="页脚占位符 5">
             <a:extLst>
               <a:ext uri="{FF2B5EF4-FFF2-40B4-BE49-F238E27FC236}">
-                <a16:creationId xmlns:a16="http://schemas.microsoft.com/office/drawing/2014/main" id="{3A488788-C4E8-FAA4-2C94-7D9DB035A810}"/>
+                <a16:creationId xmlns:a16="http://schemas.microsoft.com/office/drawing/2014/main" id="{F88DB900-6130-3B0D-E9BF-F62A30259F45}"/>
               </a:ext>
             </a:extLst>
           </p:cNvPr>
@@ -2411,7 +2411,7 @@
           <p:cNvPr id="7" name="灯片编号占位符 6">
             <a:extLst>
               <a:ext uri="{FF2B5EF4-FFF2-40B4-BE49-F238E27FC236}">
-                <a16:creationId xmlns:a16="http://schemas.microsoft.com/office/drawing/2014/main" id="{E11CD3A8-D8DA-1808-2E70-658108948792}"/>
+                <a16:creationId xmlns:a16="http://schemas.microsoft.com/office/drawing/2014/main" id="{EDE4CF5E-4D18-A52E-E6FB-18F25DB5C2D1}"/>
               </a:ext>
             </a:extLst>
           </p:cNvPr>
@@ -2427,7 +2427,7 @@
           <a:bodyPr/>
           <a:lstStyle/>
           <a:p>
-            <a:fld id="{0310DE9E-40C5-473D-AB37-3725F3F88EF1}" type="slidenum">
+            <a:fld id="{04485F9D-0D12-4D7E-9413-AE6247688F67}" type="slidenum">
               <a:rPr lang="zh-CN" altLang="en-US" smtClean="0"/>
               <a:t>‹#›</a:t>
             </a:fld>
@@ -2438,7 +2438,7 @@
     </p:spTree>
     <p:extLst>
       <p:ext uri="{BB962C8B-B14F-4D97-AF65-F5344CB8AC3E}">
-        <p14:creationId xmlns:p14="http://schemas.microsoft.com/office/powerpoint/2010/main" val="3355648729"/>
+        <p14:creationId xmlns:p14="http://schemas.microsoft.com/office/powerpoint/2010/main" val="44972478"/>
       </p:ext>
     </p:extLst>
   </p:cSld>
@@ -2470,7 +2470,7 @@
           <p:cNvPr id="2" name="标题 1">
             <a:extLst>
               <a:ext uri="{FF2B5EF4-FFF2-40B4-BE49-F238E27FC236}">
-                <a16:creationId xmlns:a16="http://schemas.microsoft.com/office/drawing/2014/main" id="{5ACAC82E-68CD-0275-1321-BC781B319AC3}"/>
+                <a16:creationId xmlns:a16="http://schemas.microsoft.com/office/drawing/2014/main" id="{3244481B-F740-E650-9AF5-4F9F5CEE1922}"/>
               </a:ext>
             </a:extLst>
           </p:cNvPr>
@@ -2507,7 +2507,7 @@
           <p:cNvPr id="3" name="图片占位符 2">
             <a:extLst>
               <a:ext uri="{FF2B5EF4-FFF2-40B4-BE49-F238E27FC236}">
-                <a16:creationId xmlns:a16="http://schemas.microsoft.com/office/drawing/2014/main" id="{E7C60A5D-CF02-1316-D670-E864A0F7197D}"/>
+                <a16:creationId xmlns:a16="http://schemas.microsoft.com/office/drawing/2014/main" id="{26155FCB-90A1-0704-A10E-3511B29344A8}"/>
               </a:ext>
             </a:extLst>
           </p:cNvPr>
@@ -2574,7 +2574,7 @@
           <p:cNvPr id="4" name="文本占位符 3">
             <a:extLst>
               <a:ext uri="{FF2B5EF4-FFF2-40B4-BE49-F238E27FC236}">
-                <a16:creationId xmlns:a16="http://schemas.microsoft.com/office/drawing/2014/main" id="{B5728A9F-1549-DD75-1AE9-74348712E130}"/>
+                <a16:creationId xmlns:a16="http://schemas.microsoft.com/office/drawing/2014/main" id="{B05F11EE-328D-1F1B-BFD6-C7C2E39EF8FA}"/>
               </a:ext>
             </a:extLst>
           </p:cNvPr>
@@ -2645,7 +2645,7 @@
           <p:cNvPr id="5" name="日期占位符 4">
             <a:extLst>
               <a:ext uri="{FF2B5EF4-FFF2-40B4-BE49-F238E27FC236}">
-                <a16:creationId xmlns:a16="http://schemas.microsoft.com/office/drawing/2014/main" id="{9C1BF6D0-8EF6-30A9-2BE6-05933ABB3273}"/>
+                <a16:creationId xmlns:a16="http://schemas.microsoft.com/office/drawing/2014/main" id="{8044D6C5-C344-2103-8CAE-F04E6236FFC6}"/>
               </a:ext>
             </a:extLst>
           </p:cNvPr>
@@ -2661,7 +2661,7 @@
           <a:bodyPr/>
           <a:lstStyle/>
           <a:p>
-            <a:fld id="{9EF7D760-1371-44F2-8882-4BFB1F58AEFF}" type="datetimeFigureOut">
+            <a:fld id="{27448B9E-C208-46C0-AF33-EEEF48D5B4AE}" type="datetimeFigureOut">
               <a:rPr lang="zh-CN" altLang="en-US" smtClean="0"/>
               <a:t>2024/3/10</a:t>
             </a:fld>
@@ -2674,7 +2674,7 @@
           <p:cNvPr id="6" name="页脚占位符 5">
             <a:extLst>
               <a:ext uri="{FF2B5EF4-FFF2-40B4-BE49-F238E27FC236}">
-                <a16:creationId xmlns:a16="http://schemas.microsoft.com/office/drawing/2014/main" id="{D09C6BDA-EDED-EC2F-7786-85E661AC0AE1}"/>
+                <a16:creationId xmlns:a16="http://schemas.microsoft.com/office/drawing/2014/main" id="{83285382-6829-8899-4509-9A01CB9A0ACA}"/>
               </a:ext>
             </a:extLst>
           </p:cNvPr>
@@ -2699,7 +2699,7 @@
           <p:cNvPr id="7" name="灯片编号占位符 6">
             <a:extLst>
               <a:ext uri="{FF2B5EF4-FFF2-40B4-BE49-F238E27FC236}">
-                <a16:creationId xmlns:a16="http://schemas.microsoft.com/office/drawing/2014/main" id="{268F6B52-7EED-9551-0CDA-C57114B90092}"/>
+                <a16:creationId xmlns:a16="http://schemas.microsoft.com/office/drawing/2014/main" id="{860AC0FD-2651-E93C-DED5-9E687D06B2E1}"/>
               </a:ext>
             </a:extLst>
           </p:cNvPr>
@@ -2715,7 +2715,7 @@
           <a:bodyPr/>
           <a:lstStyle/>
           <a:p>
-            <a:fld id="{0310DE9E-40C5-473D-AB37-3725F3F88EF1}" type="slidenum">
+            <a:fld id="{04485F9D-0D12-4D7E-9413-AE6247688F67}" type="slidenum">
               <a:rPr lang="zh-CN" altLang="en-US" smtClean="0"/>
               <a:t>‹#›</a:t>
             </a:fld>
@@ -2726,7 +2726,7 @@
     </p:spTree>
     <p:extLst>
       <p:ext uri="{BB962C8B-B14F-4D97-AF65-F5344CB8AC3E}">
-        <p14:creationId xmlns:p14="http://schemas.microsoft.com/office/powerpoint/2010/main" val="4167019112"/>
+        <p14:creationId xmlns:p14="http://schemas.microsoft.com/office/powerpoint/2010/main" val="1748173500"/>
       </p:ext>
     </p:extLst>
   </p:cSld>
@@ -2763,7 +2763,7 @@
           <p:cNvPr id="2" name="标题占位符 1">
             <a:extLst>
               <a:ext uri="{FF2B5EF4-FFF2-40B4-BE49-F238E27FC236}">
-                <a16:creationId xmlns:a16="http://schemas.microsoft.com/office/drawing/2014/main" id="{C4DCC3FF-C41A-5819-B567-D84529DEA8BE}"/>
+                <a16:creationId xmlns:a16="http://schemas.microsoft.com/office/drawing/2014/main" id="{53A7D485-3FAC-4835-2A9C-908BC9AE6BC9}"/>
               </a:ext>
             </a:extLst>
           </p:cNvPr>
@@ -2801,7 +2801,7 @@
           <p:cNvPr id="3" name="文本占位符 2">
             <a:extLst>
               <a:ext uri="{FF2B5EF4-FFF2-40B4-BE49-F238E27FC236}">
-                <a16:creationId xmlns:a16="http://schemas.microsoft.com/office/drawing/2014/main" id="{5E9287D7-B4C7-6D79-CD16-58FD084EE009}"/>
+                <a16:creationId xmlns:a16="http://schemas.microsoft.com/office/drawing/2014/main" id="{E412D6CB-F959-68C5-9720-E26C62314656}"/>
               </a:ext>
             </a:extLst>
           </p:cNvPr>
@@ -2868,7 +2868,7 @@
           <p:cNvPr id="4" name="日期占位符 3">
             <a:extLst>
               <a:ext uri="{FF2B5EF4-FFF2-40B4-BE49-F238E27FC236}">
-                <a16:creationId xmlns:a16="http://schemas.microsoft.com/office/drawing/2014/main" id="{19A19D5C-6EA9-B37F-8487-A413D3170AC1}"/>
+                <a16:creationId xmlns:a16="http://schemas.microsoft.com/office/drawing/2014/main" id="{43925DBD-7E86-6A07-9F6F-080E888A57BF}"/>
               </a:ext>
             </a:extLst>
           </p:cNvPr>
@@ -2902,7 +2902,7 @@
             </a:lvl1pPr>
           </a:lstStyle>
           <a:p>
-            <a:fld id="{9EF7D760-1371-44F2-8882-4BFB1F58AEFF}" type="datetimeFigureOut">
+            <a:fld id="{27448B9E-C208-46C0-AF33-EEEF48D5B4AE}" type="datetimeFigureOut">
               <a:rPr lang="zh-CN" altLang="en-US" smtClean="0"/>
               <a:t>2024/3/10</a:t>
             </a:fld>
@@ -2915,7 +2915,7 @@
           <p:cNvPr id="5" name="页脚占位符 4">
             <a:extLst>
               <a:ext uri="{FF2B5EF4-FFF2-40B4-BE49-F238E27FC236}">
-                <a16:creationId xmlns:a16="http://schemas.microsoft.com/office/drawing/2014/main" id="{4B29AA28-37E9-A452-7C1E-E7598786285F}"/>
+                <a16:creationId xmlns:a16="http://schemas.microsoft.com/office/drawing/2014/main" id="{22A9ECF3-002E-A084-F51F-2F04F138C3A4}"/>
               </a:ext>
             </a:extLst>
           </p:cNvPr>
@@ -2958,7 +2958,7 @@
           <p:cNvPr id="6" name="灯片编号占位符 5">
             <a:extLst>
               <a:ext uri="{FF2B5EF4-FFF2-40B4-BE49-F238E27FC236}">
-                <a16:creationId xmlns:a16="http://schemas.microsoft.com/office/drawing/2014/main" id="{C1B6D973-B179-C7C0-8C6F-4B808279130A}"/>
+                <a16:creationId xmlns:a16="http://schemas.microsoft.com/office/drawing/2014/main" id="{99491757-C136-5FE3-52DD-D616F964B004}"/>
               </a:ext>
             </a:extLst>
           </p:cNvPr>
@@ -2992,7 +2992,7 @@
             </a:lvl1pPr>
           </a:lstStyle>
           <a:p>
-            <a:fld id="{0310DE9E-40C5-473D-AB37-3725F3F88EF1}" type="slidenum">
+            <a:fld id="{04485F9D-0D12-4D7E-9413-AE6247688F67}" type="slidenum">
               <a:rPr lang="zh-CN" altLang="en-US" smtClean="0"/>
               <a:t>‹#›</a:t>
             </a:fld>
@@ -3003,7 +3003,7 @@
     </p:spTree>
     <p:extLst>
       <p:ext uri="{BB962C8B-B14F-4D97-AF65-F5344CB8AC3E}">
-        <p14:creationId xmlns:p14="http://schemas.microsoft.com/office/powerpoint/2010/main" val="3963712133"/>
+        <p14:creationId xmlns:p14="http://schemas.microsoft.com/office/powerpoint/2010/main" val="1949067008"/>
       </p:ext>
     </p:extLst>
   </p:cSld>
